--- a/Notes de stage - Vendredi.pptx
+++ b/Notes de stage - Vendredi.pptx
@@ -7,13 +7,16 @@
   <p:sldIdLst>
     <p:sldId id="256" r:id="rId2"/>
     <p:sldId id="258" r:id="rId3"/>
-    <p:sldId id="261" r:id="rId4"/>
-    <p:sldId id="257" r:id="rId5"/>
-    <p:sldId id="260" r:id="rId6"/>
-    <p:sldId id="262" r:id="rId7"/>
-    <p:sldId id="263" r:id="rId8"/>
-    <p:sldId id="259" r:id="rId9"/>
-    <p:sldId id="264" r:id="rId10"/>
+    <p:sldId id="266" r:id="rId4"/>
+    <p:sldId id="261" r:id="rId5"/>
+    <p:sldId id="257" r:id="rId6"/>
+    <p:sldId id="260" r:id="rId7"/>
+    <p:sldId id="262" r:id="rId8"/>
+    <p:sldId id="263" r:id="rId9"/>
+    <p:sldId id="259" r:id="rId10"/>
+    <p:sldId id="267" r:id="rId11"/>
+    <p:sldId id="265" r:id="rId12"/>
+    <p:sldId id="264" r:id="rId13"/>
   </p:sldIdLst>
   <p:sldSz cx="12192000" cy="6858000"/>
   <p:notesSz cx="6858000" cy="9144000"/>
@@ -123,7 +126,7 @@
 <file path=ppt/revisionInfo.xml><?xml version="1.0" encoding="utf-8"?>
 <p1510:revInfo xmlns:a="http://schemas.openxmlformats.org/drawingml/2006/main" xmlns:r="http://schemas.openxmlformats.org/officeDocument/2006/relationships" xmlns:p1510="http://schemas.microsoft.com/office/powerpoint/2015/10/main">
   <p1510:revLst>
-    <p1510:client id="{01E73667-2BEF-4007-AD34-DC26F6381063}" v="14" dt="2023-12-10T13:54:26.087"/>
+    <p1510:client id="{01E73667-2BEF-4007-AD34-DC26F6381063}" v="17" dt="2023-12-10T23:42:08.004"/>
   </p1510:revLst>
 </p1510:revInfo>
 </file>
@@ -132,11 +135,49 @@
 <pc:chgInfo xmlns:a="http://schemas.openxmlformats.org/drawingml/2006/main" xmlns:r="http://schemas.openxmlformats.org/officeDocument/2006/relationships" xmlns:ac="http://schemas.microsoft.com/office/drawing/2013/main/command" xmlns:pc="http://schemas.microsoft.com/office/powerpoint/2013/main/command">
   <pc:docChgLst>
     <pc:chgData name="Philippe Baucour" userId="5102170ae7533958" providerId="LiveId" clId="{01E73667-2BEF-4007-AD34-DC26F6381063}"/>
-    <pc:docChg chg="undo custSel addSld modSld">
-      <pc:chgData name="Philippe Baucour" userId="5102170ae7533958" providerId="LiveId" clId="{01E73667-2BEF-4007-AD34-DC26F6381063}" dt="2023-12-10T13:54:33.519" v="126" actId="20577"/>
+    <pc:docChg chg="undo custSel addSld modSld sldOrd">
+      <pc:chgData name="Philippe Baucour" userId="5102170ae7533958" providerId="LiveId" clId="{01E73667-2BEF-4007-AD34-DC26F6381063}" dt="2023-12-10T23:59:31.490" v="1084" actId="20577"/>
       <pc:docMkLst>
         <pc:docMk/>
       </pc:docMkLst>
+      <pc:sldChg chg="modSp mod">
+        <pc:chgData name="Philippe Baucour" userId="5102170ae7533958" providerId="LiveId" clId="{01E73667-2BEF-4007-AD34-DC26F6381063}" dt="2023-12-10T23:55:14.225" v="978" actId="108"/>
+        <pc:sldMkLst>
+          <pc:docMk/>
+          <pc:sldMk cId="3369465709" sldId="257"/>
+        </pc:sldMkLst>
+        <pc:picChg chg="mod">
+          <ac:chgData name="Philippe Baucour" userId="5102170ae7533958" providerId="LiveId" clId="{01E73667-2BEF-4007-AD34-DC26F6381063}" dt="2023-12-10T23:55:14.225" v="978" actId="108"/>
+          <ac:picMkLst>
+            <pc:docMk/>
+            <pc:sldMk cId="3369465709" sldId="257"/>
+            <ac:picMk id="5" creationId="{98E9596C-500A-2A56-5CF0-751EF21D3B1B}"/>
+          </ac:picMkLst>
+        </pc:picChg>
+      </pc:sldChg>
+      <pc:sldChg chg="modSp mod">
+        <pc:chgData name="Philippe Baucour" userId="5102170ae7533958" providerId="LiveId" clId="{01E73667-2BEF-4007-AD34-DC26F6381063}" dt="2023-12-10T23:55:06.477" v="976" actId="108"/>
+        <pc:sldMkLst>
+          <pc:docMk/>
+          <pc:sldMk cId="689231984" sldId="258"/>
+        </pc:sldMkLst>
+        <pc:picChg chg="mod">
+          <ac:chgData name="Philippe Baucour" userId="5102170ae7533958" providerId="LiveId" clId="{01E73667-2BEF-4007-AD34-DC26F6381063}" dt="2023-12-10T23:55:05.128" v="975" actId="108"/>
+          <ac:picMkLst>
+            <pc:docMk/>
+            <pc:sldMk cId="689231984" sldId="258"/>
+            <ac:picMk id="5" creationId="{B19B0FFD-B2F0-5AD7-B7C1-B84722B5B010}"/>
+          </ac:picMkLst>
+        </pc:picChg>
+        <pc:picChg chg="mod">
+          <ac:chgData name="Philippe Baucour" userId="5102170ae7533958" providerId="LiveId" clId="{01E73667-2BEF-4007-AD34-DC26F6381063}" dt="2023-12-10T23:55:06.477" v="976" actId="108"/>
+          <ac:picMkLst>
+            <pc:docMk/>
+            <pc:sldMk cId="689231984" sldId="258"/>
+            <ac:picMk id="7" creationId="{AA8A88FC-C52C-57BE-B1BB-868D1B79F7BA}"/>
+          </ac:picMkLst>
+        </pc:picChg>
+      </pc:sldChg>
       <pc:sldChg chg="addSp modSp mod">
         <pc:chgData name="Philippe Baucour" userId="5102170ae7533958" providerId="LiveId" clId="{01E73667-2BEF-4007-AD34-DC26F6381063}" dt="2023-12-10T13:52:14.610" v="104" actId="1037"/>
         <pc:sldMkLst>
@@ -160,8 +201,23 @@
           </ac:picMkLst>
         </pc:picChg>
       </pc:sldChg>
-      <pc:sldChg chg="addSp modSp">
-        <pc:chgData name="Philippe Baucour" userId="5102170ae7533958" providerId="LiveId" clId="{01E73667-2BEF-4007-AD34-DC26F6381063}" dt="2023-12-10T13:45:51.393" v="26" actId="164"/>
+      <pc:sldChg chg="modSp mod">
+        <pc:chgData name="Philippe Baucour" userId="5102170ae7533958" providerId="LiveId" clId="{01E73667-2BEF-4007-AD34-DC26F6381063}" dt="2023-12-10T23:55:20.103" v="979" actId="108"/>
+        <pc:sldMkLst>
+          <pc:docMk/>
+          <pc:sldMk cId="3670112028" sldId="260"/>
+        </pc:sldMkLst>
+        <pc:picChg chg="mod">
+          <ac:chgData name="Philippe Baucour" userId="5102170ae7533958" providerId="LiveId" clId="{01E73667-2BEF-4007-AD34-DC26F6381063}" dt="2023-12-10T23:55:20.103" v="979" actId="108"/>
+          <ac:picMkLst>
+            <pc:docMk/>
+            <pc:sldMk cId="3670112028" sldId="260"/>
+            <ac:picMk id="5" creationId="{467A035F-4653-6A8C-0EA4-A2A341F3E735}"/>
+          </ac:picMkLst>
+        </pc:picChg>
+      </pc:sldChg>
+      <pc:sldChg chg="addSp modSp mod">
+        <pc:chgData name="Philippe Baucour" userId="5102170ae7533958" providerId="LiveId" clId="{01E73667-2BEF-4007-AD34-DC26F6381063}" dt="2023-12-10T23:55:10.958" v="977" actId="108"/>
         <pc:sldMkLst>
           <pc:docMk/>
           <pc:sldMk cId="204685208" sldId="261"/>
@@ -190,9 +246,17 @@
             <ac:grpSpMk id="4" creationId="{D2CDF1A9-78D9-E233-2176-0D033E1DD8A7}"/>
           </ac:grpSpMkLst>
         </pc:grpChg>
+        <pc:picChg chg="mod">
+          <ac:chgData name="Philippe Baucour" userId="5102170ae7533958" providerId="LiveId" clId="{01E73667-2BEF-4007-AD34-DC26F6381063}" dt="2023-12-10T23:55:10.958" v="977" actId="108"/>
+          <ac:picMkLst>
+            <pc:docMk/>
+            <pc:sldMk cId="204685208" sldId="261"/>
+            <ac:picMk id="5" creationId="{0A70DDE7-8856-86CF-0D15-C5D9BA6D7955}"/>
+          </ac:picMkLst>
+        </pc:picChg>
       </pc:sldChg>
       <pc:sldChg chg="addSp modSp new mod">
-        <pc:chgData name="Philippe Baucour" userId="5102170ae7533958" providerId="LiveId" clId="{01E73667-2BEF-4007-AD34-DC26F6381063}" dt="2023-12-10T13:54:05.186" v="116" actId="20577"/>
+        <pc:chgData name="Philippe Baucour" userId="5102170ae7533958" providerId="LiveId" clId="{01E73667-2BEF-4007-AD34-DC26F6381063}" dt="2023-12-10T23:55:00.795" v="974" actId="108"/>
         <pc:sldMkLst>
           <pc:docMk/>
           <pc:sldMk cId="3994728932" sldId="262"/>
@@ -238,7 +302,7 @@
           </ac:spMkLst>
         </pc:spChg>
         <pc:picChg chg="add mod">
-          <ac:chgData name="Philippe Baucour" userId="5102170ae7533958" providerId="LiveId" clId="{01E73667-2BEF-4007-AD34-DC26F6381063}" dt="2023-12-10T13:44:23.830" v="10" actId="1076"/>
+          <ac:chgData name="Philippe Baucour" userId="5102170ae7533958" providerId="LiveId" clId="{01E73667-2BEF-4007-AD34-DC26F6381063}" dt="2023-12-10T23:55:00.795" v="974" actId="108"/>
           <ac:picMkLst>
             <pc:docMk/>
             <pc:sldMk cId="3994728932" sldId="262"/>
@@ -246,7 +310,7 @@
           </ac:picMkLst>
         </pc:picChg>
         <pc:picChg chg="add mod">
-          <ac:chgData name="Philippe Baucour" userId="5102170ae7533958" providerId="LiveId" clId="{01E73667-2BEF-4007-AD34-DC26F6381063}" dt="2023-12-10T13:44:27.708" v="11" actId="1076"/>
+          <ac:chgData name="Philippe Baucour" userId="5102170ae7533958" providerId="LiveId" clId="{01E73667-2BEF-4007-AD34-DC26F6381063}" dt="2023-12-10T23:54:59.538" v="973" actId="108"/>
           <ac:picMkLst>
             <pc:docMk/>
             <pc:sldMk cId="3994728932" sldId="262"/>
@@ -255,7 +319,7 @@
         </pc:picChg>
       </pc:sldChg>
       <pc:sldChg chg="addSp delSp modSp new mod">
-        <pc:chgData name="Philippe Baucour" userId="5102170ae7533958" providerId="LiveId" clId="{01E73667-2BEF-4007-AD34-DC26F6381063}" dt="2023-12-10T13:54:33.519" v="126" actId="20577"/>
+        <pc:chgData name="Philippe Baucour" userId="5102170ae7533958" providerId="LiveId" clId="{01E73667-2BEF-4007-AD34-DC26F6381063}" dt="2023-12-10T23:54:55.900" v="972" actId="108"/>
         <pc:sldMkLst>
           <pc:docMk/>
           <pc:sldMk cId="592899133" sldId="263"/>
@@ -333,7 +397,7 @@
           </ac:picMkLst>
         </pc:picChg>
         <pc:picChg chg="add mod">
-          <ac:chgData name="Philippe Baucour" userId="5102170ae7533958" providerId="LiveId" clId="{01E73667-2BEF-4007-AD34-DC26F6381063}" dt="2023-12-10T13:44:57.253" v="23" actId="1076"/>
+          <ac:chgData name="Philippe Baucour" userId="5102170ae7533958" providerId="LiveId" clId="{01E73667-2BEF-4007-AD34-DC26F6381063}" dt="2023-12-10T23:54:55.900" v="972" actId="108"/>
           <ac:picMkLst>
             <pc:docMk/>
             <pc:sldMk cId="592899133" sldId="263"/>
@@ -341,7 +405,7 @@
           </ac:picMkLst>
         </pc:picChg>
         <pc:picChg chg="add mod">
-          <ac:chgData name="Philippe Baucour" userId="5102170ae7533958" providerId="LiveId" clId="{01E73667-2BEF-4007-AD34-DC26F6381063}" dt="2023-12-10T13:45:36.029" v="25" actId="1076"/>
+          <ac:chgData name="Philippe Baucour" userId="5102170ae7533958" providerId="LiveId" clId="{01E73667-2BEF-4007-AD34-DC26F6381063}" dt="2023-12-10T23:54:53.599" v="970" actId="108"/>
           <ac:picMkLst>
             <pc:docMk/>
             <pc:sldMk cId="592899133" sldId="263"/>
@@ -349,7 +413,7 @@
           </ac:picMkLst>
         </pc:picChg>
         <pc:picChg chg="add mod">
-          <ac:chgData name="Philippe Baucour" userId="5102170ae7533958" providerId="LiveId" clId="{01E73667-2BEF-4007-AD34-DC26F6381063}" dt="2023-12-10T13:53:24.830" v="106" actId="1076"/>
+          <ac:chgData name="Philippe Baucour" userId="5102170ae7533958" providerId="LiveId" clId="{01E73667-2BEF-4007-AD34-DC26F6381063}" dt="2023-12-10T23:54:54.806" v="971" actId="108"/>
           <ac:picMkLst>
             <pc:docMk/>
             <pc:sldMk cId="592899133" sldId="263"/>
@@ -357,12 +421,97 @@
           </ac:picMkLst>
         </pc:picChg>
       </pc:sldChg>
-      <pc:sldChg chg="new">
-        <pc:chgData name="Philippe Baucour" userId="5102170ae7533958" providerId="LiveId" clId="{01E73667-2BEF-4007-AD34-DC26F6381063}" dt="2023-12-10T13:50:43.612" v="64" actId="680"/>
+      <pc:sldChg chg="modSp new mod">
+        <pc:chgData name="Philippe Baucour" userId="5102170ae7533958" providerId="LiveId" clId="{01E73667-2BEF-4007-AD34-DC26F6381063}" dt="2023-12-10T23:59:31.490" v="1084" actId="20577"/>
         <pc:sldMkLst>
           <pc:docMk/>
           <pc:sldMk cId="3503636450" sldId="264"/>
         </pc:sldMkLst>
+        <pc:spChg chg="mod">
+          <ac:chgData name="Philippe Baucour" userId="5102170ae7533958" providerId="LiveId" clId="{01E73667-2BEF-4007-AD34-DC26F6381063}" dt="2023-12-10T23:59:31.490" v="1084" actId="20577"/>
+          <ac:spMkLst>
+            <pc:docMk/>
+            <pc:sldMk cId="3503636450" sldId="264"/>
+            <ac:spMk id="2" creationId="{CB11E713-3A4E-AE0D-ED70-58E101A227A0}"/>
+          </ac:spMkLst>
+        </pc:spChg>
+      </pc:sldChg>
+      <pc:sldChg chg="modSp new mod ord">
+        <pc:chgData name="Philippe Baucour" userId="5102170ae7533958" providerId="LiveId" clId="{01E73667-2BEF-4007-AD34-DC26F6381063}" dt="2023-12-10T23:59:24.242" v="1078" actId="20577"/>
+        <pc:sldMkLst>
+          <pc:docMk/>
+          <pc:sldMk cId="3386939029" sldId="265"/>
+        </pc:sldMkLst>
+        <pc:spChg chg="mod">
+          <ac:chgData name="Philippe Baucour" userId="5102170ae7533958" providerId="LiveId" clId="{01E73667-2BEF-4007-AD34-DC26F6381063}" dt="2023-12-10T23:59:24.242" v="1078" actId="20577"/>
+          <ac:spMkLst>
+            <pc:docMk/>
+            <pc:sldMk cId="3386939029" sldId="265"/>
+            <ac:spMk id="2" creationId="{4A7DE78C-4579-3821-9014-BDF92856809C}"/>
+          </ac:spMkLst>
+        </pc:spChg>
+        <pc:spChg chg="mod">
+          <ac:chgData name="Philippe Baucour" userId="5102170ae7533958" providerId="LiveId" clId="{01E73667-2BEF-4007-AD34-DC26F6381063}" dt="2023-12-10T23:44:35.648" v="431" actId="20577"/>
+          <ac:spMkLst>
+            <pc:docMk/>
+            <pc:sldMk cId="3386939029" sldId="265"/>
+            <ac:spMk id="3" creationId="{2B2EF11D-44D5-EBAD-8461-C2BF94536DA4}"/>
+          </ac:spMkLst>
+        </pc:spChg>
+      </pc:sldChg>
+      <pc:sldChg chg="modSp new mod">
+        <pc:chgData name="Philippe Baucour" userId="5102170ae7533958" providerId="LiveId" clId="{01E73667-2BEF-4007-AD34-DC26F6381063}" dt="2023-12-10T23:50:25.212" v="878" actId="20577"/>
+        <pc:sldMkLst>
+          <pc:docMk/>
+          <pc:sldMk cId="3049191742" sldId="266"/>
+        </pc:sldMkLst>
+        <pc:spChg chg="mod">
+          <ac:chgData name="Philippe Baucour" userId="5102170ae7533958" providerId="LiveId" clId="{01E73667-2BEF-4007-AD34-DC26F6381063}" dt="2023-12-10T23:45:52.214" v="496" actId="20577"/>
+          <ac:spMkLst>
+            <pc:docMk/>
+            <pc:sldMk cId="3049191742" sldId="266"/>
+            <ac:spMk id="2" creationId="{000A01CE-4985-BCA3-BCEA-70C1DB99B30A}"/>
+          </ac:spMkLst>
+        </pc:spChg>
+        <pc:spChg chg="mod">
+          <ac:chgData name="Philippe Baucour" userId="5102170ae7533958" providerId="LiveId" clId="{01E73667-2BEF-4007-AD34-DC26F6381063}" dt="2023-12-10T23:50:25.212" v="878" actId="20577"/>
+          <ac:spMkLst>
+            <pc:docMk/>
+            <pc:sldMk cId="3049191742" sldId="266"/>
+            <ac:spMk id="3" creationId="{B1EBC4A6-DA85-DE35-AD40-7CD987A23FB0}"/>
+          </ac:spMkLst>
+        </pc:spChg>
+      </pc:sldChg>
+      <pc:sldChg chg="addSp modSp new mod">
+        <pc:chgData name="Philippe Baucour" userId="5102170ae7533958" providerId="LiveId" clId="{01E73667-2BEF-4007-AD34-DC26F6381063}" dt="2023-12-10T23:58:41.121" v="1057" actId="20577"/>
+        <pc:sldMkLst>
+          <pc:docMk/>
+          <pc:sldMk cId="240476765" sldId="267"/>
+        </pc:sldMkLst>
+        <pc:spChg chg="mod">
+          <ac:chgData name="Philippe Baucour" userId="5102170ae7533958" providerId="LiveId" clId="{01E73667-2BEF-4007-AD34-DC26F6381063}" dt="2023-12-10T23:58:41.121" v="1057" actId="20577"/>
+          <ac:spMkLst>
+            <pc:docMk/>
+            <pc:sldMk cId="240476765" sldId="267"/>
+            <ac:spMk id="2" creationId="{B564475B-885C-4243-574B-FE3291F2D2D2}"/>
+          </ac:spMkLst>
+        </pc:spChg>
+        <pc:spChg chg="mod">
+          <ac:chgData name="Philippe Baucour" userId="5102170ae7533958" providerId="LiveId" clId="{01E73667-2BEF-4007-AD34-DC26F6381063}" dt="2023-12-10T23:58:02.522" v="1054" actId="15"/>
+          <ac:spMkLst>
+            <pc:docMk/>
+            <pc:sldMk cId="240476765" sldId="267"/>
+            <ac:spMk id="3" creationId="{75AC2BAB-4B8E-53C0-8F37-79EC8D94E49B}"/>
+          </ac:spMkLst>
+        </pc:spChg>
+        <pc:picChg chg="add mod">
+          <ac:chgData name="Philippe Baucour" userId="5102170ae7533958" providerId="LiveId" clId="{01E73667-2BEF-4007-AD34-DC26F6381063}" dt="2023-12-10T23:58:16.656" v="1055" actId="1076"/>
+          <ac:picMkLst>
+            <pc:docMk/>
+            <pc:sldMk cId="240476765" sldId="267"/>
+            <ac:picMk id="5" creationId="{EB8E2D32-B4D6-2267-E050-BE3BC9EFA82B}"/>
+          </ac:picMkLst>
+        </pc:picChg>
       </pc:sldChg>
     </pc:docChg>
   </pc:docChgLst>
@@ -516,7 +665,7 @@
           <a:p>
             <a:fld id="{814EAAF8-3877-4B4B-B2A5-D637106D66A3}" type="datetimeFigureOut">
               <a:rPr lang="fr-FR" smtClean="0"/>
-              <a:t>10/12/2023</a:t>
+              <a:t>11/12/2023</a:t>
             </a:fld>
             <a:endParaRPr lang="fr-FR"/>
           </a:p>
@@ -714,7 +863,7 @@
           <a:p>
             <a:fld id="{814EAAF8-3877-4B4B-B2A5-D637106D66A3}" type="datetimeFigureOut">
               <a:rPr lang="fr-FR" smtClean="0"/>
-              <a:t>10/12/2023</a:t>
+              <a:t>11/12/2023</a:t>
             </a:fld>
             <a:endParaRPr lang="fr-FR"/>
           </a:p>
@@ -922,7 +1071,7 @@
           <a:p>
             <a:fld id="{814EAAF8-3877-4B4B-B2A5-D637106D66A3}" type="datetimeFigureOut">
               <a:rPr lang="fr-FR" smtClean="0"/>
-              <a:t>10/12/2023</a:t>
+              <a:t>11/12/2023</a:t>
             </a:fld>
             <a:endParaRPr lang="fr-FR"/>
           </a:p>
@@ -1120,7 +1269,7 @@
           <a:p>
             <a:fld id="{814EAAF8-3877-4B4B-B2A5-D637106D66A3}" type="datetimeFigureOut">
               <a:rPr lang="fr-FR" smtClean="0"/>
-              <a:t>10/12/2023</a:t>
+              <a:t>11/12/2023</a:t>
             </a:fld>
             <a:endParaRPr lang="fr-FR"/>
           </a:p>
@@ -1395,7 +1544,7 @@
           <a:p>
             <a:fld id="{814EAAF8-3877-4B4B-B2A5-D637106D66A3}" type="datetimeFigureOut">
               <a:rPr lang="fr-FR" smtClean="0"/>
-              <a:t>10/12/2023</a:t>
+              <a:t>11/12/2023</a:t>
             </a:fld>
             <a:endParaRPr lang="fr-FR"/>
           </a:p>
@@ -1660,7 +1809,7 @@
           <a:p>
             <a:fld id="{814EAAF8-3877-4B4B-B2A5-D637106D66A3}" type="datetimeFigureOut">
               <a:rPr lang="fr-FR" smtClean="0"/>
-              <a:t>10/12/2023</a:t>
+              <a:t>11/12/2023</a:t>
             </a:fld>
             <a:endParaRPr lang="fr-FR"/>
           </a:p>
@@ -2072,7 +2221,7 @@
           <a:p>
             <a:fld id="{814EAAF8-3877-4B4B-B2A5-D637106D66A3}" type="datetimeFigureOut">
               <a:rPr lang="fr-FR" smtClean="0"/>
-              <a:t>10/12/2023</a:t>
+              <a:t>11/12/2023</a:t>
             </a:fld>
             <a:endParaRPr lang="fr-FR"/>
           </a:p>
@@ -2213,7 +2362,7 @@
           <a:p>
             <a:fld id="{814EAAF8-3877-4B4B-B2A5-D637106D66A3}" type="datetimeFigureOut">
               <a:rPr lang="fr-FR" smtClean="0"/>
-              <a:t>10/12/2023</a:t>
+              <a:t>11/12/2023</a:t>
             </a:fld>
             <a:endParaRPr lang="fr-FR"/>
           </a:p>
@@ -2326,7 +2475,7 @@
           <a:p>
             <a:fld id="{814EAAF8-3877-4B4B-B2A5-D637106D66A3}" type="datetimeFigureOut">
               <a:rPr lang="fr-FR" smtClean="0"/>
-              <a:t>10/12/2023</a:t>
+              <a:t>11/12/2023</a:t>
             </a:fld>
             <a:endParaRPr lang="fr-FR"/>
           </a:p>
@@ -2637,7 +2786,7 @@
           <a:p>
             <a:fld id="{814EAAF8-3877-4B4B-B2A5-D637106D66A3}" type="datetimeFigureOut">
               <a:rPr lang="fr-FR" smtClean="0"/>
-              <a:t>10/12/2023</a:t>
+              <a:t>11/12/2023</a:t>
             </a:fld>
             <a:endParaRPr lang="fr-FR"/>
           </a:p>
@@ -2925,7 +3074,7 @@
           <a:p>
             <a:fld id="{814EAAF8-3877-4B4B-B2A5-D637106D66A3}" type="datetimeFigureOut">
               <a:rPr lang="fr-FR" smtClean="0"/>
-              <a:t>10/12/2023</a:t>
+              <a:t>11/12/2023</a:t>
             </a:fld>
             <a:endParaRPr lang="fr-FR"/>
           </a:p>
@@ -3166,7 +3315,7 @@
           <a:p>
             <a:fld id="{814EAAF8-3877-4B4B-B2A5-D637106D66A3}" type="datetimeFigureOut">
               <a:rPr lang="fr-FR" smtClean="0"/>
-              <a:t>10/12/2023</a:t>
+              <a:t>11/12/2023</a:t>
             </a:fld>
             <a:endParaRPr lang="fr-FR"/>
           </a:p>
@@ -3649,6 +3798,442 @@
 </p:sld>
 </file>
 
+<file path=ppt/slides/slide10.xml><?xml version="1.0" encoding="utf-8"?>
+<p:sld xmlns:a="http://schemas.openxmlformats.org/drawingml/2006/main" xmlns:r="http://schemas.openxmlformats.org/officeDocument/2006/relationships" xmlns:p="http://schemas.openxmlformats.org/presentationml/2006/main">
+  <p:cSld>
+    <p:spTree>
+      <p:nvGrpSpPr>
+        <p:cNvPr id="1" name=""/>
+        <p:cNvGrpSpPr/>
+        <p:nvPr/>
+      </p:nvGrpSpPr>
+      <p:grpSpPr>
+        <a:xfrm>
+          <a:off x="0" y="0"/>
+          <a:ext cx="0" cy="0"/>
+          <a:chOff x="0" y="0"/>
+          <a:chExt cx="0" cy="0"/>
+        </a:xfrm>
+      </p:grpSpPr>
+      <p:sp>
+        <p:nvSpPr>
+          <p:cNvPr id="2" name="Titre 1">
+            <a:extLst>
+              <a:ext uri="{FF2B5EF4-FFF2-40B4-BE49-F238E27FC236}">
+                <a16:creationId xmlns:a16="http://schemas.microsoft.com/office/drawing/2014/main" id="{B564475B-885C-4243-574B-FE3291F2D2D2}"/>
+              </a:ext>
+            </a:extLst>
+          </p:cNvPr>
+          <p:cNvSpPr>
+            <a:spLocks noGrp="1"/>
+          </p:cNvSpPr>
+          <p:nvPr>
+            <p:ph type="title"/>
+          </p:nvPr>
+        </p:nvSpPr>
+        <p:spPr/>
+        <p:txBody>
+          <a:bodyPr/>
+          <a:lstStyle/>
+          <a:p>
+            <a:r>
+              <a:rPr lang="fr-FR" dirty="0"/>
+              <a:t>GitHub</a:t>
+            </a:r>
+          </a:p>
+        </p:txBody>
+      </p:sp>
+      <p:sp>
+        <p:nvSpPr>
+          <p:cNvPr id="3" name="Espace réservé du contenu 2">
+            <a:extLst>
+              <a:ext uri="{FF2B5EF4-FFF2-40B4-BE49-F238E27FC236}">
+                <a16:creationId xmlns:a16="http://schemas.microsoft.com/office/drawing/2014/main" id="{75AC2BAB-4B8E-53C0-8F37-79EC8D94E49B}"/>
+              </a:ext>
+            </a:extLst>
+          </p:cNvPr>
+          <p:cNvSpPr>
+            <a:spLocks noGrp="1"/>
+          </p:cNvSpPr>
+          <p:nvPr>
+            <p:ph idx="1"/>
+          </p:nvPr>
+        </p:nvSpPr>
+        <p:spPr/>
+        <p:txBody>
+          <a:bodyPr/>
+          <a:lstStyle/>
+          <a:p>
+            <a:r>
+              <a:rPr lang="fr-FR" dirty="0"/>
+              <a:t>Ouvrez un compte sur github.com</a:t>
+            </a:r>
+          </a:p>
+          <a:p>
+            <a:r>
+              <a:rPr lang="fr-FR" dirty="0"/>
+              <a:t>Suivez des tutos</a:t>
+            </a:r>
+          </a:p>
+          <a:p>
+            <a:r>
+              <a:rPr lang="fr-FR" dirty="0"/>
+              <a:t>Depuis VSCode</a:t>
+            </a:r>
+          </a:p>
+          <a:p>
+            <a:pPr lvl="1"/>
+            <a:r>
+              <a:rPr lang="fr-FR" dirty="0"/>
+              <a:t>Ouvrez un dépôt</a:t>
+            </a:r>
+          </a:p>
+          <a:p>
+            <a:pPr lvl="1"/>
+            <a:r>
+              <a:rPr lang="fr-FR" dirty="0"/>
+              <a:t>Déposez vos fichiers (1</a:t>
+            </a:r>
+            <a:r>
+              <a:rPr lang="fr-FR" baseline="30000" dirty="0"/>
+              <a:t>er</a:t>
+            </a:r>
+            <a:r>
+              <a:rPr lang="fr-FR" dirty="0"/>
+              <a:t> commit)</a:t>
+            </a:r>
+          </a:p>
+          <a:p>
+            <a:pPr lvl="1"/>
+            <a:r>
+              <a:rPr lang="fr-FR" dirty="0"/>
+              <a:t>Commit, commit, commit </a:t>
+            </a:r>
+          </a:p>
+        </p:txBody>
+      </p:sp>
+      <p:pic>
+        <p:nvPicPr>
+          <p:cNvPr id="5" name="Image 4">
+            <a:extLst>
+              <a:ext uri="{FF2B5EF4-FFF2-40B4-BE49-F238E27FC236}">
+                <a16:creationId xmlns:a16="http://schemas.microsoft.com/office/drawing/2014/main" id="{EB8E2D32-B4D6-2267-E050-BE3BC9EFA82B}"/>
+              </a:ext>
+            </a:extLst>
+          </p:cNvPr>
+          <p:cNvPicPr>
+            <a:picLocks noChangeAspect="1"/>
+          </p:cNvPicPr>
+          <p:nvPr/>
+        </p:nvPicPr>
+        <p:blipFill>
+          <a:blip r:embed="rId2"/>
+          <a:stretch>
+            <a:fillRect/>
+          </a:stretch>
+        </p:blipFill>
+        <p:spPr>
+          <a:xfrm>
+            <a:off x="6629400" y="681037"/>
+            <a:ext cx="5261077" cy="4639282"/>
+          </a:xfrm>
+          <a:prstGeom prst="rect">
+            <a:avLst/>
+          </a:prstGeom>
+          <a:effectLst>
+            <a:outerShdw blurRad="50800" dist="38100" dir="2700000" algn="tl" rotWithShape="0">
+              <a:prstClr val="black">
+                <a:alpha val="40000"/>
+              </a:prstClr>
+            </a:outerShdw>
+          </a:effectLst>
+        </p:spPr>
+      </p:pic>
+    </p:spTree>
+    <p:extLst>
+      <p:ext uri="{BB962C8B-B14F-4D97-AF65-F5344CB8AC3E}">
+        <p14:creationId xmlns:p14="http://schemas.microsoft.com/office/powerpoint/2010/main" val="240476765"/>
+      </p:ext>
+    </p:extLst>
+  </p:cSld>
+  <p:clrMapOvr>
+    <a:masterClrMapping/>
+  </p:clrMapOvr>
+</p:sld>
+</file>
+
+<file path=ppt/slides/slide11.xml><?xml version="1.0" encoding="utf-8"?>
+<p:sld xmlns:a="http://schemas.openxmlformats.org/drawingml/2006/main" xmlns:r="http://schemas.openxmlformats.org/officeDocument/2006/relationships" xmlns:p="http://schemas.openxmlformats.org/presentationml/2006/main">
+  <p:cSld>
+    <p:spTree>
+      <p:nvGrpSpPr>
+        <p:cNvPr id="1" name=""/>
+        <p:cNvGrpSpPr/>
+        <p:nvPr/>
+      </p:nvGrpSpPr>
+      <p:grpSpPr>
+        <a:xfrm>
+          <a:off x="0" y="0"/>
+          <a:ext cx="0" cy="0"/>
+          <a:chOff x="0" y="0"/>
+          <a:chExt cx="0" cy="0"/>
+        </a:xfrm>
+      </p:grpSpPr>
+      <p:sp>
+        <p:nvSpPr>
+          <p:cNvPr id="2" name="Titre 1">
+            <a:extLst>
+              <a:ext uri="{FF2B5EF4-FFF2-40B4-BE49-F238E27FC236}">
+                <a16:creationId xmlns:a16="http://schemas.microsoft.com/office/drawing/2014/main" id="{4A7DE78C-4579-3821-9014-BDF92856809C}"/>
+              </a:ext>
+            </a:extLst>
+          </p:cNvPr>
+          <p:cNvSpPr>
+            <a:spLocks noGrp="1"/>
+          </p:cNvSpPr>
+          <p:nvPr>
+            <p:ph type="title"/>
+          </p:nvPr>
+        </p:nvSpPr>
+        <p:spPr/>
+        <p:txBody>
+          <a:bodyPr/>
+          <a:lstStyle/>
+          <a:p>
+            <a:r>
+              <a:rPr lang="fr-FR" dirty="0"/>
+              <a:t>Playlists utiles</a:t>
+            </a:r>
+          </a:p>
+        </p:txBody>
+      </p:sp>
+      <p:sp>
+        <p:nvSpPr>
+          <p:cNvPr id="3" name="Espace réservé du contenu 2">
+            <a:extLst>
+              <a:ext uri="{FF2B5EF4-FFF2-40B4-BE49-F238E27FC236}">
+                <a16:creationId xmlns:a16="http://schemas.microsoft.com/office/drawing/2014/main" id="{2B2EF11D-44D5-EBAD-8461-C2BF94536DA4}"/>
+              </a:ext>
+            </a:extLst>
+          </p:cNvPr>
+          <p:cNvSpPr>
+            <a:spLocks noGrp="1"/>
+          </p:cNvSpPr>
+          <p:nvPr>
+            <p:ph idx="1"/>
+          </p:nvPr>
+        </p:nvSpPr>
+        <p:spPr/>
+        <p:txBody>
+          <a:bodyPr>
+            <a:normAutofit fontScale="92500" lnSpcReduction="20000"/>
+          </a:bodyPr>
+          <a:lstStyle/>
+          <a:p>
+            <a:r>
+              <a:rPr lang="fr-FR" dirty="0"/>
+              <a:t>SQL : </a:t>
+            </a:r>
+          </a:p>
+          <a:p>
+            <a:pPr lvl="1"/>
+            <a:r>
+              <a:rPr lang="fr-FR" sz="1800" dirty="0">
+                <a:hlinkClick r:id="rId2"/>
+              </a:rPr>
+              <a:t>https://www.youtube.com/watch?v=iHKE_4KeNWQ&amp;list=PLjwdMgw5TTLXXpRlzDZq7d8iS6YXgnslt</a:t>
+            </a:r>
+            <a:endParaRPr lang="fr-FR" sz="1800" dirty="0"/>
+          </a:p>
+          <a:p>
+            <a:pPr lvl="1"/>
+            <a:r>
+              <a:rPr lang="fr-FR" dirty="0"/>
+              <a:t>30 vidéos</a:t>
+            </a:r>
+          </a:p>
+          <a:p>
+            <a:pPr lvl="1"/>
+            <a:r>
+              <a:rPr lang="fr-FR" dirty="0"/>
+              <a:t>Il y a du SQLite </a:t>
+            </a:r>
+          </a:p>
+          <a:p>
+            <a:pPr lvl="2"/>
+            <a:r>
+              <a:rPr lang="fr-FR" dirty="0"/>
+              <a:t>Utilisable directement </a:t>
+            </a:r>
+          </a:p>
+          <a:p>
+            <a:pPr lvl="2"/>
+            <a:r>
+              <a:rPr lang="fr-FR" dirty="0"/>
+              <a:t>Couvre 99% de nos besoins </a:t>
+            </a:r>
+          </a:p>
+          <a:p>
+            <a:pPr lvl="1"/>
+            <a:r>
+              <a:rPr lang="fr-FR" dirty="0"/>
+              <a:t>MySQL</a:t>
+            </a:r>
+          </a:p>
+          <a:p>
+            <a:r>
+              <a:rPr lang="fr-FR" dirty="0"/>
+              <a:t>Machine </a:t>
+            </a:r>
+            <a:r>
+              <a:rPr lang="fr-FR" dirty="0" err="1"/>
+              <a:t>learning</a:t>
+            </a:r>
+            <a:endParaRPr lang="fr-FR" dirty="0"/>
+          </a:p>
+          <a:p>
+            <a:pPr lvl="1"/>
+            <a:r>
+              <a:rPr lang="fr-FR" sz="1800" dirty="0">
+                <a:hlinkClick r:id="rId3"/>
+              </a:rPr>
+              <a:t>https://www.youtube.com/watch?v=82KLS2C_gNQ&amp;list=PLO_fdPEVlfKqMDNmCFzQISI2H_nJcEDJq</a:t>
+            </a:r>
+            <a:endParaRPr lang="fr-FR" sz="1800" dirty="0"/>
+          </a:p>
+          <a:p>
+            <a:pPr lvl="1"/>
+            <a:r>
+              <a:rPr lang="fr-FR" dirty="0"/>
+              <a:t>34 vidéos</a:t>
+            </a:r>
+          </a:p>
+          <a:p>
+            <a:pPr lvl="1"/>
+            <a:r>
+              <a:rPr lang="fr-FR" dirty="0"/>
+              <a:t>Débute de 0 en python (variables, boucles… Pandas, </a:t>
+            </a:r>
+            <a:r>
+              <a:rPr lang="fr-FR" dirty="0" err="1"/>
+              <a:t>SKLearn</a:t>
+            </a:r>
+            <a:r>
+              <a:rPr lang="fr-FR" dirty="0"/>
+              <a:t>…)</a:t>
+            </a:r>
+          </a:p>
+          <a:p>
+            <a:endParaRPr lang="fr-FR" dirty="0"/>
+          </a:p>
+          <a:p>
+            <a:pPr marL="457200" lvl="1" indent="0">
+              <a:buNone/>
+            </a:pPr>
+            <a:r>
+              <a:rPr lang="fr-FR" dirty="0"/>
+              <a:t>	</a:t>
+            </a:r>
+          </a:p>
+        </p:txBody>
+      </p:sp>
+    </p:spTree>
+    <p:extLst>
+      <p:ext uri="{BB962C8B-B14F-4D97-AF65-F5344CB8AC3E}">
+        <p14:creationId xmlns:p14="http://schemas.microsoft.com/office/powerpoint/2010/main" val="3386939029"/>
+      </p:ext>
+    </p:extLst>
+  </p:cSld>
+  <p:clrMapOvr>
+    <a:masterClrMapping/>
+  </p:clrMapOvr>
+</p:sld>
+</file>
+
+<file path=ppt/slides/slide12.xml><?xml version="1.0" encoding="utf-8"?>
+<p:sld xmlns:a="http://schemas.openxmlformats.org/drawingml/2006/main" xmlns:r="http://schemas.openxmlformats.org/officeDocument/2006/relationships" xmlns:p="http://schemas.openxmlformats.org/presentationml/2006/main">
+  <p:cSld>
+    <p:spTree>
+      <p:nvGrpSpPr>
+        <p:cNvPr id="1" name=""/>
+        <p:cNvGrpSpPr/>
+        <p:nvPr/>
+      </p:nvGrpSpPr>
+      <p:grpSpPr>
+        <a:xfrm>
+          <a:off x="0" y="0"/>
+          <a:ext cx="0" cy="0"/>
+          <a:chOff x="0" y="0"/>
+          <a:chExt cx="0" cy="0"/>
+        </a:xfrm>
+      </p:grpSpPr>
+      <p:sp>
+        <p:nvSpPr>
+          <p:cNvPr id="2" name="Titre 1">
+            <a:extLst>
+              <a:ext uri="{FF2B5EF4-FFF2-40B4-BE49-F238E27FC236}">
+                <a16:creationId xmlns:a16="http://schemas.microsoft.com/office/drawing/2014/main" id="{CB11E713-3A4E-AE0D-ED70-58E101A227A0}"/>
+              </a:ext>
+            </a:extLst>
+          </p:cNvPr>
+          <p:cNvSpPr>
+            <a:spLocks noGrp="1"/>
+          </p:cNvSpPr>
+          <p:nvPr>
+            <p:ph type="title"/>
+          </p:nvPr>
+        </p:nvSpPr>
+        <p:spPr/>
+        <p:txBody>
+          <a:bodyPr/>
+          <a:lstStyle/>
+          <a:p>
+            <a:r>
+              <a:rPr lang="fr-FR"/>
+              <a:t>Bouquins utiles</a:t>
+            </a:r>
+            <a:endParaRPr lang="fr-FR" dirty="0"/>
+          </a:p>
+        </p:txBody>
+      </p:sp>
+      <p:sp>
+        <p:nvSpPr>
+          <p:cNvPr id="3" name="Espace réservé du contenu 2">
+            <a:extLst>
+              <a:ext uri="{FF2B5EF4-FFF2-40B4-BE49-F238E27FC236}">
+                <a16:creationId xmlns:a16="http://schemas.microsoft.com/office/drawing/2014/main" id="{0368613B-01CA-E1FE-3E04-095C6D811B55}"/>
+              </a:ext>
+            </a:extLst>
+          </p:cNvPr>
+          <p:cNvSpPr>
+            <a:spLocks noGrp="1"/>
+          </p:cNvSpPr>
+          <p:nvPr>
+            <p:ph idx="1"/>
+          </p:nvPr>
+        </p:nvSpPr>
+        <p:spPr/>
+        <p:txBody>
+          <a:bodyPr/>
+          <a:lstStyle/>
+          <a:p>
+            <a:endParaRPr lang="fr-FR"/>
+          </a:p>
+        </p:txBody>
+      </p:sp>
+    </p:spTree>
+    <p:extLst>
+      <p:ext uri="{BB962C8B-B14F-4D97-AF65-F5344CB8AC3E}">
+        <p14:creationId xmlns:p14="http://schemas.microsoft.com/office/powerpoint/2010/main" val="3503636450"/>
+      </p:ext>
+    </p:extLst>
+  </p:cSld>
+  <p:clrMapOvr>
+    <a:masterClrMapping/>
+  </p:clrMapOvr>
+</p:sld>
+</file>
+
 <file path=ppt/slides/slide2.xml><?xml version="1.0" encoding="utf-8"?>
 <p:sld xmlns:a="http://schemas.openxmlformats.org/drawingml/2006/main" xmlns:r="http://schemas.openxmlformats.org/officeDocument/2006/relationships" xmlns:p="http://schemas.openxmlformats.org/presentationml/2006/main">
   <p:cSld>
@@ -3747,6 +4332,13 @@
           <a:prstGeom prst="rect">
             <a:avLst/>
           </a:prstGeom>
+          <a:effectLst>
+            <a:outerShdw blurRad="50800" dist="38100" dir="2700000" algn="tl" rotWithShape="0">
+              <a:prstClr val="black">
+                <a:alpha val="40000"/>
+              </a:prstClr>
+            </a:outerShdw>
+          </a:effectLst>
         </p:spPr>
       </p:pic>
       <p:pic>
@@ -3777,6 +4369,13 @@
           <a:prstGeom prst="rect">
             <a:avLst/>
           </a:prstGeom>
+          <a:effectLst>
+            <a:outerShdw blurRad="50800" dist="38100" dir="2700000" algn="tl" rotWithShape="0">
+              <a:prstClr val="black">
+                <a:alpha val="40000"/>
+              </a:prstClr>
+            </a:outerShdw>
+          </a:effectLst>
         </p:spPr>
       </p:pic>
     </p:spTree>
@@ -3814,6 +4413,220 @@
           <p:cNvPr id="2" name="Titre 1">
             <a:extLst>
               <a:ext uri="{FF2B5EF4-FFF2-40B4-BE49-F238E27FC236}">
+                <a16:creationId xmlns:a16="http://schemas.microsoft.com/office/drawing/2014/main" id="{000A01CE-4985-BCA3-BCEA-70C1DB99B30A}"/>
+              </a:ext>
+            </a:extLst>
+          </p:cNvPr>
+          <p:cNvSpPr>
+            <a:spLocks noGrp="1"/>
+          </p:cNvSpPr>
+          <p:nvPr>
+            <p:ph type="title"/>
+          </p:nvPr>
+        </p:nvSpPr>
+        <p:spPr/>
+        <p:txBody>
+          <a:bodyPr/>
+          <a:lstStyle/>
+          <a:p>
+            <a:r>
+              <a:rPr lang="fr-FR" dirty="0"/>
+              <a:t>Organisez vos répertoires</a:t>
+            </a:r>
+          </a:p>
+        </p:txBody>
+      </p:sp>
+      <p:sp>
+        <p:nvSpPr>
+          <p:cNvPr id="3" name="Espace réservé du contenu 2">
+            <a:extLst>
+              <a:ext uri="{FF2B5EF4-FFF2-40B4-BE49-F238E27FC236}">
+                <a16:creationId xmlns:a16="http://schemas.microsoft.com/office/drawing/2014/main" id="{B1EBC4A6-DA85-DE35-AD40-7CD987A23FB0}"/>
+              </a:ext>
+            </a:extLst>
+          </p:cNvPr>
+          <p:cNvSpPr>
+            <a:spLocks noGrp="1"/>
+          </p:cNvSpPr>
+          <p:nvPr>
+            <p:ph idx="1"/>
+          </p:nvPr>
+        </p:nvSpPr>
+        <p:spPr/>
+        <p:txBody>
+          <a:bodyPr>
+            <a:normAutofit fontScale="92500" lnSpcReduction="10000"/>
+          </a:bodyPr>
+          <a:lstStyle/>
+          <a:p>
+            <a:r>
+              <a:rPr lang="fr-FR" dirty="0"/>
+              <a:t>Un ou plusieurs fichiers csv, xlsx… dans un sous-répertoire</a:t>
+            </a:r>
+          </a:p>
+          <a:p>
+            <a:r>
+              <a:rPr lang="fr-FR" dirty="0"/>
+              <a:t>Vos notebooks au dessus</a:t>
+            </a:r>
+          </a:p>
+          <a:p>
+            <a:r>
+              <a:rPr lang="fr-FR" dirty="0"/>
+              <a:t>Vous devez être capables de déplacer l’ensemble sans problème</a:t>
+            </a:r>
+          </a:p>
+          <a:p>
+            <a:endParaRPr lang="fr-FR" dirty="0"/>
+          </a:p>
+          <a:p>
+            <a:r>
+              <a:rPr lang="fr-FR" sz="2000" dirty="0" err="1">
+                <a:latin typeface="Courier New" panose="02070309020205020404" pitchFamily="49" charset="0"/>
+                <a:cs typeface="Courier New" panose="02070309020205020404" pitchFamily="49" charset="0"/>
+              </a:rPr>
+              <a:t>formation_jedha</a:t>
+            </a:r>
+            <a:endParaRPr lang="fr-FR" sz="2000" dirty="0">
+              <a:latin typeface="Courier New" panose="02070309020205020404" pitchFamily="49" charset="0"/>
+              <a:cs typeface="Courier New" panose="02070309020205020404" pitchFamily="49" charset="0"/>
+            </a:endParaRPr>
+          </a:p>
+          <a:p>
+            <a:pPr lvl="1"/>
+            <a:r>
+              <a:rPr lang="fr-FR" sz="1800" dirty="0">
+                <a:latin typeface="Courier New" panose="02070309020205020404" pitchFamily="49" charset="0"/>
+                <a:cs typeface="Courier New" panose="02070309020205020404" pitchFamily="49" charset="0"/>
+              </a:rPr>
+              <a:t>Ressources</a:t>
+            </a:r>
+          </a:p>
+          <a:p>
+            <a:pPr lvl="2"/>
+            <a:r>
+              <a:rPr lang="fr-FR" sz="1400">
+                <a:latin typeface="Courier New" panose="02070309020205020404" pitchFamily="49" charset="0"/>
+                <a:cs typeface="Courier New" panose="02070309020205020404" pitchFamily="49" charset="0"/>
+              </a:rPr>
+              <a:t>Fichier.pdf</a:t>
+            </a:r>
+            <a:endParaRPr lang="fr-FR" sz="1400" dirty="0">
+              <a:latin typeface="Courier New" panose="02070309020205020404" pitchFamily="49" charset="0"/>
+              <a:cs typeface="Courier New" panose="02070309020205020404" pitchFamily="49" charset="0"/>
+            </a:endParaRPr>
+          </a:p>
+          <a:p>
+            <a:pPr lvl="2"/>
+            <a:r>
+              <a:rPr lang="fr-FR" sz="1600" dirty="0">
+                <a:latin typeface="Courier New" panose="02070309020205020404" pitchFamily="49" charset="0"/>
+                <a:cs typeface="Courier New" panose="02070309020205020404" pitchFamily="49" charset="0"/>
+              </a:rPr>
+              <a:t>feuille1.csv</a:t>
+            </a:r>
+          </a:p>
+          <a:p>
+            <a:pPr lvl="2"/>
+            <a:r>
+              <a:rPr lang="fr-FR" sz="1600" dirty="0">
+                <a:latin typeface="Courier New" panose="02070309020205020404" pitchFamily="49" charset="0"/>
+                <a:cs typeface="Courier New" panose="02070309020205020404" pitchFamily="49" charset="0"/>
+              </a:rPr>
+              <a:t>feuille2.xlsx</a:t>
+            </a:r>
+          </a:p>
+          <a:p>
+            <a:pPr lvl="2"/>
+            <a:r>
+              <a:rPr lang="fr-FR" sz="1600" dirty="0">
+                <a:latin typeface="Courier New" panose="02070309020205020404" pitchFamily="49" charset="0"/>
+                <a:cs typeface="Courier New" panose="02070309020205020404" pitchFamily="49" charset="0"/>
+              </a:rPr>
+              <a:t>Images</a:t>
+            </a:r>
+          </a:p>
+          <a:p>
+            <a:pPr lvl="3"/>
+            <a:r>
+              <a:rPr lang="fr-FR" sz="1400" dirty="0">
+                <a:latin typeface="Courier New" panose="02070309020205020404" pitchFamily="49" charset="0"/>
+                <a:cs typeface="Courier New" panose="02070309020205020404" pitchFamily="49" charset="0"/>
+              </a:rPr>
+              <a:t>image1.png</a:t>
+            </a:r>
+          </a:p>
+          <a:p>
+            <a:pPr lvl="3"/>
+            <a:r>
+              <a:rPr lang="fr-FR" sz="1400" dirty="0">
+                <a:latin typeface="Courier New" panose="02070309020205020404" pitchFamily="49" charset="0"/>
+                <a:cs typeface="Courier New" panose="02070309020205020404" pitchFamily="49" charset="0"/>
+              </a:rPr>
+              <a:t>image2.png</a:t>
+            </a:r>
+          </a:p>
+          <a:p>
+            <a:pPr lvl="1"/>
+            <a:r>
+              <a:rPr lang="fr-FR" sz="1800" dirty="0">
+                <a:latin typeface="Courier New" panose="02070309020205020404" pitchFamily="49" charset="0"/>
+                <a:cs typeface="Courier New" panose="02070309020205020404" pitchFamily="49" charset="0"/>
+              </a:rPr>
+              <a:t>notebook1</a:t>
+            </a:r>
+          </a:p>
+          <a:p>
+            <a:pPr lvl="1"/>
+            <a:r>
+              <a:rPr lang="fr-FR" sz="1800" dirty="0">
+                <a:latin typeface="Courier New" panose="02070309020205020404" pitchFamily="49" charset="0"/>
+                <a:cs typeface="Courier New" panose="02070309020205020404" pitchFamily="49" charset="0"/>
+              </a:rPr>
+              <a:t>notebook2</a:t>
+            </a:r>
+            <a:endParaRPr lang="fr-FR" dirty="0">
+              <a:latin typeface="Courier New" panose="02070309020205020404" pitchFamily="49" charset="0"/>
+              <a:cs typeface="Courier New" panose="02070309020205020404" pitchFamily="49" charset="0"/>
+            </a:endParaRPr>
+          </a:p>
+        </p:txBody>
+      </p:sp>
+    </p:spTree>
+    <p:extLst>
+      <p:ext uri="{BB962C8B-B14F-4D97-AF65-F5344CB8AC3E}">
+        <p14:creationId xmlns:p14="http://schemas.microsoft.com/office/powerpoint/2010/main" val="3049191742"/>
+      </p:ext>
+    </p:extLst>
+  </p:cSld>
+  <p:clrMapOvr>
+    <a:masterClrMapping/>
+  </p:clrMapOvr>
+</p:sld>
+</file>
+
+<file path=ppt/slides/slide4.xml><?xml version="1.0" encoding="utf-8"?>
+<p:sld xmlns:a="http://schemas.openxmlformats.org/drawingml/2006/main" xmlns:r="http://schemas.openxmlformats.org/officeDocument/2006/relationships" xmlns:p="http://schemas.openxmlformats.org/presentationml/2006/main">
+  <p:cSld>
+    <p:spTree>
+      <p:nvGrpSpPr>
+        <p:cNvPr id="1" name=""/>
+        <p:cNvGrpSpPr/>
+        <p:nvPr/>
+      </p:nvGrpSpPr>
+      <p:grpSpPr>
+        <a:xfrm>
+          <a:off x="0" y="0"/>
+          <a:ext cx="0" cy="0"/>
+          <a:chOff x="0" y="0"/>
+          <a:chExt cx="0" cy="0"/>
+        </a:xfrm>
+      </p:grpSpPr>
+      <p:sp>
+        <p:nvSpPr>
+          <p:cNvPr id="2" name="Titre 1">
+            <a:extLst>
+              <a:ext uri="{FF2B5EF4-FFF2-40B4-BE49-F238E27FC236}">
                 <a16:creationId xmlns:a16="http://schemas.microsoft.com/office/drawing/2014/main" id="{BA1362AD-C691-E37D-D8E9-251642BF3FA0}"/>
               </a:ext>
             </a:extLst>
@@ -3890,6 +4703,13 @@
           <a:prstGeom prst="rect">
             <a:avLst/>
           </a:prstGeom>
+          <a:effectLst>
+            <a:outerShdw blurRad="50800" dist="38100" dir="2700000" algn="tl" rotWithShape="0">
+              <a:prstClr val="black">
+                <a:alpha val="40000"/>
+              </a:prstClr>
+            </a:outerShdw>
+          </a:effectLst>
         </p:spPr>
       </p:pic>
       <p:sp>
@@ -4102,7 +4922,7 @@
 </p:sld>
 </file>
 
-<file path=ppt/slides/slide4.xml><?xml version="1.0" encoding="utf-8"?>
+<file path=ppt/slides/slide5.xml><?xml version="1.0" encoding="utf-8"?>
 <p:sld xmlns:a="http://schemas.openxmlformats.org/drawingml/2006/main" xmlns:r="http://schemas.openxmlformats.org/officeDocument/2006/relationships" xmlns:p="http://schemas.openxmlformats.org/presentationml/2006/main">
   <p:cSld>
     <p:spTree>
@@ -4200,6 +5020,13 @@
           <a:prstGeom prst="rect">
             <a:avLst/>
           </a:prstGeom>
+          <a:effectLst>
+            <a:outerShdw blurRad="50800" dist="38100" dir="2700000" algn="tl" rotWithShape="0">
+              <a:prstClr val="black">
+                <a:alpha val="40000"/>
+              </a:prstClr>
+            </a:outerShdw>
+          </a:effectLst>
         </p:spPr>
       </p:pic>
       <p:sp>
@@ -4303,7 +5130,7 @@
 </p:sld>
 </file>
 
-<file path=ppt/slides/slide5.xml><?xml version="1.0" encoding="utf-8"?>
+<file path=ppt/slides/slide6.xml><?xml version="1.0" encoding="utf-8"?>
 <p:sld xmlns:a="http://schemas.openxmlformats.org/drawingml/2006/main" xmlns:r="http://schemas.openxmlformats.org/officeDocument/2006/relationships" xmlns:p="http://schemas.openxmlformats.org/presentationml/2006/main">
   <p:cSld>
     <p:spTree>
@@ -4401,6 +5228,13 @@
           <a:prstGeom prst="rect">
             <a:avLst/>
           </a:prstGeom>
+          <a:effectLst>
+            <a:outerShdw blurRad="50800" dist="38100" dir="2700000" algn="tl" rotWithShape="0">
+              <a:prstClr val="black">
+                <a:alpha val="40000"/>
+              </a:prstClr>
+            </a:outerShdw>
+          </a:effectLst>
         </p:spPr>
       </p:pic>
       <p:sp>
@@ -4504,7 +5338,7 @@
 </p:sld>
 </file>
 
-<file path=ppt/slides/slide6.xml><?xml version="1.0" encoding="utf-8"?>
+<file path=ppt/slides/slide7.xml><?xml version="1.0" encoding="utf-8"?>
 <p:sld xmlns:a="http://schemas.openxmlformats.org/drawingml/2006/main" xmlns:r="http://schemas.openxmlformats.org/officeDocument/2006/relationships" xmlns:p="http://schemas.openxmlformats.org/presentationml/2006/main">
   <p:cSld>
     <p:spTree>
@@ -4606,6 +5440,13 @@
           <a:prstGeom prst="rect">
             <a:avLst/>
           </a:prstGeom>
+          <a:effectLst>
+            <a:outerShdw blurRad="50800" dist="38100" dir="2700000" algn="tl" rotWithShape="0">
+              <a:prstClr val="black">
+                <a:alpha val="40000"/>
+              </a:prstClr>
+            </a:outerShdw>
+          </a:effectLst>
         </p:spPr>
       </p:pic>
       <p:pic>
@@ -4636,6 +5477,13 @@
           <a:prstGeom prst="rect">
             <a:avLst/>
           </a:prstGeom>
+          <a:effectLst>
+            <a:outerShdw blurRad="50800" dist="38100" dir="2700000" algn="tl" rotWithShape="0">
+              <a:prstClr val="black">
+                <a:alpha val="40000"/>
+              </a:prstClr>
+            </a:outerShdw>
+          </a:effectLst>
         </p:spPr>
       </p:pic>
       <p:sp>
@@ -4827,7 +5675,7 @@
 </p:sld>
 </file>
 
-<file path=ppt/slides/slide7.xml><?xml version="1.0" encoding="utf-8"?>
+<file path=ppt/slides/slide8.xml><?xml version="1.0" encoding="utf-8"?>
 <p:sld xmlns:a="http://schemas.openxmlformats.org/drawingml/2006/main" xmlns:r="http://schemas.openxmlformats.org/officeDocument/2006/relationships" xmlns:p="http://schemas.openxmlformats.org/presentationml/2006/main">
   <p:cSld>
     <p:spTree>
@@ -4929,6 +5777,13 @@
           <a:prstGeom prst="rect">
             <a:avLst/>
           </a:prstGeom>
+          <a:effectLst>
+            <a:outerShdw blurRad="50800" dist="38100" dir="2700000" algn="tl" rotWithShape="0">
+              <a:prstClr val="black">
+                <a:alpha val="40000"/>
+              </a:prstClr>
+            </a:outerShdw>
+          </a:effectLst>
         </p:spPr>
       </p:pic>
       <p:pic>
@@ -4959,6 +5814,13 @@
           <a:prstGeom prst="rect">
             <a:avLst/>
           </a:prstGeom>
+          <a:effectLst>
+            <a:outerShdw blurRad="50800" dist="38100" dir="2700000" algn="tl" rotWithShape="0">
+              <a:prstClr val="black">
+                <a:alpha val="40000"/>
+              </a:prstClr>
+            </a:outerShdw>
+          </a:effectLst>
         </p:spPr>
       </p:pic>
       <p:sp>
@@ -5087,6 +5949,13 @@
           <a:prstGeom prst="rect">
             <a:avLst/>
           </a:prstGeom>
+          <a:effectLst>
+            <a:outerShdw blurRad="50800" dist="38100" dir="2700000" algn="tl" rotWithShape="0">
+              <a:prstClr val="black">
+                <a:alpha val="40000"/>
+              </a:prstClr>
+            </a:outerShdw>
+          </a:effectLst>
         </p:spPr>
       </p:pic>
       <p:sp>
@@ -5268,7 +6137,7 @@
 </p:sld>
 </file>
 
-<file path=ppt/slides/slide8.xml><?xml version="1.0" encoding="utf-8"?>
+<file path=ppt/slides/slide9.xml><?xml version="1.0" encoding="utf-8"?>
 <p:sld xmlns:a="http://schemas.openxmlformats.org/drawingml/2006/main" xmlns:r="http://schemas.openxmlformats.org/officeDocument/2006/relationships" xmlns:p="http://schemas.openxmlformats.org/presentationml/2006/main">
   <p:cSld>
     <p:spTree>
@@ -5441,86 +6310,6 @@
     <p:extLst>
       <p:ext uri="{BB962C8B-B14F-4D97-AF65-F5344CB8AC3E}">
         <p14:creationId xmlns:p14="http://schemas.microsoft.com/office/powerpoint/2010/main" val="1964647975"/>
-      </p:ext>
-    </p:extLst>
-  </p:cSld>
-  <p:clrMapOvr>
-    <a:masterClrMapping/>
-  </p:clrMapOvr>
-</p:sld>
-</file>
-
-<file path=ppt/slides/slide9.xml><?xml version="1.0" encoding="utf-8"?>
-<p:sld xmlns:a="http://schemas.openxmlformats.org/drawingml/2006/main" xmlns:r="http://schemas.openxmlformats.org/officeDocument/2006/relationships" xmlns:p="http://schemas.openxmlformats.org/presentationml/2006/main">
-  <p:cSld>
-    <p:spTree>
-      <p:nvGrpSpPr>
-        <p:cNvPr id="1" name=""/>
-        <p:cNvGrpSpPr/>
-        <p:nvPr/>
-      </p:nvGrpSpPr>
-      <p:grpSpPr>
-        <a:xfrm>
-          <a:off x="0" y="0"/>
-          <a:ext cx="0" cy="0"/>
-          <a:chOff x="0" y="0"/>
-          <a:chExt cx="0" cy="0"/>
-        </a:xfrm>
-      </p:grpSpPr>
-      <p:sp>
-        <p:nvSpPr>
-          <p:cNvPr id="2" name="Titre 1">
-            <a:extLst>
-              <a:ext uri="{FF2B5EF4-FFF2-40B4-BE49-F238E27FC236}">
-                <a16:creationId xmlns:a16="http://schemas.microsoft.com/office/drawing/2014/main" id="{CB11E713-3A4E-AE0D-ED70-58E101A227A0}"/>
-              </a:ext>
-            </a:extLst>
-          </p:cNvPr>
-          <p:cNvSpPr>
-            <a:spLocks noGrp="1"/>
-          </p:cNvSpPr>
-          <p:nvPr>
-            <p:ph type="title"/>
-          </p:nvPr>
-        </p:nvSpPr>
-        <p:spPr/>
-        <p:txBody>
-          <a:bodyPr/>
-          <a:lstStyle/>
-          <a:p>
-            <a:endParaRPr lang="fr-FR"/>
-          </a:p>
-        </p:txBody>
-      </p:sp>
-      <p:sp>
-        <p:nvSpPr>
-          <p:cNvPr id="3" name="Espace réservé du contenu 2">
-            <a:extLst>
-              <a:ext uri="{FF2B5EF4-FFF2-40B4-BE49-F238E27FC236}">
-                <a16:creationId xmlns:a16="http://schemas.microsoft.com/office/drawing/2014/main" id="{0368613B-01CA-E1FE-3E04-095C6D811B55}"/>
-              </a:ext>
-            </a:extLst>
-          </p:cNvPr>
-          <p:cNvSpPr>
-            <a:spLocks noGrp="1"/>
-          </p:cNvSpPr>
-          <p:nvPr>
-            <p:ph idx="1"/>
-          </p:nvPr>
-        </p:nvSpPr>
-        <p:spPr/>
-        <p:txBody>
-          <a:bodyPr/>
-          <a:lstStyle/>
-          <a:p>
-            <a:endParaRPr lang="fr-FR"/>
-          </a:p>
-        </p:txBody>
-      </p:sp>
-    </p:spTree>
-    <p:extLst>
-      <p:ext uri="{BB962C8B-B14F-4D97-AF65-F5344CB8AC3E}">
-        <p14:creationId xmlns:p14="http://schemas.microsoft.com/office/powerpoint/2010/main" val="3503636450"/>
       </p:ext>
     </p:extLst>
   </p:cSld>
